--- a/Graduation_Document/졸업작품제안서.pptx
+++ b/Graduation_Document/졸업작품제안서.pptx
@@ -12,6 +12,7 @@
     <p:sldId id="299" r:id="rId6"/>
     <p:sldId id="300" r:id="rId7"/>
     <p:sldId id="301" r:id="rId8"/>
+    <p:sldId id="302" r:id="rId9"/>
   </p:sldIdLst>
   <p:sldSz cx="12192000" cy="6858000"/>
   <p:notesSz cx="6858000" cy="9144000"/>
@@ -266,7 +267,7 @@
           <a:p>
             <a:fld id="{1EC43FEB-CA4E-45D7-9007-AB8705F7A7B5}" type="datetimeFigureOut">
               <a:rPr lang="ko-KR" altLang="en-US" smtClean="0"/>
-              <a:t>2022-11-05</a:t>
+              <a:t>2022-11-08</a:t>
             </a:fld>
             <a:endParaRPr lang="ko-KR" altLang="en-US"/>
           </a:p>
@@ -446,7 +447,7 @@
           <a:p>
             <a:fld id="{1EC43FEB-CA4E-45D7-9007-AB8705F7A7B5}" type="datetimeFigureOut">
               <a:rPr lang="ko-KR" altLang="en-US" smtClean="0"/>
-              <a:t>2022-11-05</a:t>
+              <a:t>2022-11-08</a:t>
             </a:fld>
             <a:endParaRPr lang="ko-KR" altLang="en-US"/>
           </a:p>
@@ -636,7 +637,7 @@
           <a:p>
             <a:fld id="{1EC43FEB-CA4E-45D7-9007-AB8705F7A7B5}" type="datetimeFigureOut">
               <a:rPr lang="ko-KR" altLang="en-US" smtClean="0"/>
-              <a:t>2022-11-05</a:t>
+              <a:t>2022-11-08</a:t>
             </a:fld>
             <a:endParaRPr lang="ko-KR" altLang="en-US"/>
           </a:p>
@@ -816,7 +817,7 @@
           <a:p>
             <a:fld id="{1EC43FEB-CA4E-45D7-9007-AB8705F7A7B5}" type="datetimeFigureOut">
               <a:rPr lang="ko-KR" altLang="en-US" smtClean="0"/>
-              <a:t>2022-11-05</a:t>
+              <a:t>2022-11-08</a:t>
             </a:fld>
             <a:endParaRPr lang="ko-KR" altLang="en-US"/>
           </a:p>
@@ -1073,7 +1074,7 @@
           <a:p>
             <a:fld id="{1EC43FEB-CA4E-45D7-9007-AB8705F7A7B5}" type="datetimeFigureOut">
               <a:rPr lang="ko-KR" altLang="en-US" smtClean="0"/>
-              <a:t>2022-11-05</a:t>
+              <a:t>2022-11-08</a:t>
             </a:fld>
             <a:endParaRPr lang="ko-KR" altLang="en-US"/>
           </a:p>
@@ -1314,7 +1315,7 @@
           <a:p>
             <a:fld id="{1EC43FEB-CA4E-45D7-9007-AB8705F7A7B5}" type="datetimeFigureOut">
               <a:rPr lang="ko-KR" altLang="en-US" smtClean="0"/>
-              <a:t>2022-11-05</a:t>
+              <a:t>2022-11-08</a:t>
             </a:fld>
             <a:endParaRPr lang="ko-KR" altLang="en-US"/>
           </a:p>
@@ -1690,7 +1691,7 @@
           <a:p>
             <a:fld id="{1EC43FEB-CA4E-45D7-9007-AB8705F7A7B5}" type="datetimeFigureOut">
               <a:rPr lang="ko-KR" altLang="en-US" smtClean="0"/>
-              <a:t>2022-11-05</a:t>
+              <a:t>2022-11-08</a:t>
             </a:fld>
             <a:endParaRPr lang="ko-KR" altLang="en-US"/>
           </a:p>
@@ -1819,7 +1820,7 @@
           <a:p>
             <a:fld id="{1EC43FEB-CA4E-45D7-9007-AB8705F7A7B5}" type="datetimeFigureOut">
               <a:rPr lang="ko-KR" altLang="en-US" smtClean="0"/>
-              <a:t>2022-11-05</a:t>
+              <a:t>2022-11-08</a:t>
             </a:fld>
             <a:endParaRPr lang="ko-KR" altLang="en-US"/>
           </a:p>
@@ -1926,7 +1927,7 @@
           <a:p>
             <a:fld id="{1EC43FEB-CA4E-45D7-9007-AB8705F7A7B5}" type="datetimeFigureOut">
               <a:rPr lang="ko-KR" altLang="en-US" smtClean="0"/>
-              <a:t>2022-11-05</a:t>
+              <a:t>2022-11-08</a:t>
             </a:fld>
             <a:endParaRPr lang="ko-KR" altLang="en-US"/>
           </a:p>
@@ -2213,7 +2214,7 @@
           <a:p>
             <a:fld id="{1EC43FEB-CA4E-45D7-9007-AB8705F7A7B5}" type="datetimeFigureOut">
               <a:rPr lang="ko-KR" altLang="en-US" smtClean="0"/>
-              <a:t>2022-11-05</a:t>
+              <a:t>2022-11-08</a:t>
             </a:fld>
             <a:endParaRPr lang="ko-KR" altLang="en-US"/>
           </a:p>
@@ -2477,7 +2478,7 @@
           <a:p>
             <a:fld id="{1EC43FEB-CA4E-45D7-9007-AB8705F7A7B5}" type="datetimeFigureOut">
               <a:rPr lang="ko-KR" altLang="en-US" smtClean="0"/>
-              <a:t>2022-11-05</a:t>
+              <a:t>2022-11-08</a:t>
             </a:fld>
             <a:endParaRPr lang="ko-KR" altLang="en-US"/>
           </a:p>
@@ -2700,7 +2701,7 @@
           <a:p>
             <a:fld id="{1EC43FEB-CA4E-45D7-9007-AB8705F7A7B5}" type="datetimeFigureOut">
               <a:rPr lang="ko-KR" altLang="en-US" smtClean="0"/>
-              <a:t>2022-11-05</a:t>
+              <a:t>2022-11-08</a:t>
             </a:fld>
             <a:endParaRPr lang="ko-KR" altLang="en-US"/>
           </a:p>
@@ -4945,7 +4946,7 @@
                     </a:schemeClr>
                   </a:solidFill>
                 </a:rPr>
-                <a:t>X</a:t>
+                <a:t>X 12</a:t>
               </a:r>
               <a:endParaRPr lang="ko-KR" altLang="en-US" dirty="0">
                 <a:solidFill>
@@ -7490,6 +7491,618 @@
 </p:sld>
 </file>
 
+<file path=ppt/slides/slide8.xml><?xml version="1.0" encoding="utf-8"?>
+<p:sld xmlns:a="http://schemas.openxmlformats.org/drawingml/2006/main" xmlns:r="http://schemas.openxmlformats.org/officeDocument/2006/relationships" xmlns:p="http://schemas.openxmlformats.org/presentationml/2006/main">
+  <p:cSld>
+    <p:spTree>
+      <p:nvGrpSpPr>
+        <p:cNvPr id="1" name=""/>
+        <p:cNvGrpSpPr/>
+        <p:nvPr/>
+      </p:nvGrpSpPr>
+      <p:grpSpPr>
+        <a:xfrm>
+          <a:off x="0" y="0"/>
+          <a:ext cx="0" cy="0"/>
+          <a:chOff x="0" y="0"/>
+          <a:chExt cx="0" cy="0"/>
+        </a:xfrm>
+      </p:grpSpPr>
+      <p:grpSp>
+        <p:nvGrpSpPr>
+          <p:cNvPr id="42" name="그룹 41"/>
+          <p:cNvGrpSpPr/>
+          <p:nvPr/>
+        </p:nvGrpSpPr>
+        <p:grpSpPr>
+          <a:xfrm>
+            <a:off x="284484" y="1185349"/>
+            <a:ext cx="11538548" cy="4972877"/>
+            <a:chOff x="444501" y="972043"/>
+            <a:chExt cx="9983751" cy="4972877"/>
+          </a:xfrm>
+          <a:effectLst>
+            <a:outerShdw blurRad="165100" dist="63500" dir="2700000" algn="tl" rotWithShape="0">
+              <a:prstClr val="black">
+                <a:alpha val="40000"/>
+              </a:prstClr>
+            </a:outerShdw>
+          </a:effectLst>
+        </p:grpSpPr>
+        <p:sp>
+          <p:nvSpPr>
+            <p:cNvPr id="7" name="직사각형 6"/>
+            <p:cNvSpPr/>
+            <p:nvPr/>
+          </p:nvSpPr>
+          <p:spPr>
+            <a:xfrm>
+              <a:off x="444501" y="1190987"/>
+              <a:ext cx="9983751" cy="4753933"/>
+            </a:xfrm>
+            <a:prstGeom prst="rect">
+              <a:avLst/>
+            </a:prstGeom>
+            <a:solidFill>
+              <a:schemeClr val="bg1"/>
+            </a:solidFill>
+            <a:ln>
+              <a:noFill/>
+            </a:ln>
+          </p:spPr>
+          <p:style>
+            <a:lnRef idx="2">
+              <a:schemeClr val="accent1">
+                <a:shade val="50000"/>
+              </a:schemeClr>
+            </a:lnRef>
+            <a:fillRef idx="1">
+              <a:schemeClr val="accent1"/>
+            </a:fillRef>
+            <a:effectRef idx="0">
+              <a:schemeClr val="accent1"/>
+            </a:effectRef>
+            <a:fontRef idx="minor">
+              <a:schemeClr val="lt1"/>
+            </a:fontRef>
+          </p:style>
+          <p:txBody>
+            <a:bodyPr rtlCol="0" anchor="ctr"/>
+            <a:lstStyle/>
+            <a:p>
+              <a:r>
+                <a:rPr lang="en-US" altLang="ko-KR" dirty="0">
+                  <a:solidFill>
+                    <a:schemeClr val="tx1">
+                      <a:lumMod val="95000"/>
+                      <a:lumOff val="5000"/>
+                    </a:schemeClr>
+                  </a:solidFill>
+                </a:rPr>
+                <a:t>							</a:t>
+              </a:r>
+              <a:endParaRPr lang="ko-KR" altLang="en-US" dirty="0">
+                <a:solidFill>
+                  <a:schemeClr val="tx1">
+                    <a:lumMod val="95000"/>
+                    <a:lumOff val="5000"/>
+                  </a:schemeClr>
+                </a:solidFill>
+              </a:endParaRPr>
+            </a:p>
+          </p:txBody>
+        </p:sp>
+        <p:sp>
+          <p:nvSpPr>
+            <p:cNvPr id="40" name="이등변 삼각형 39"/>
+            <p:cNvSpPr/>
+            <p:nvPr/>
+          </p:nvSpPr>
+          <p:spPr>
+            <a:xfrm>
+              <a:off x="1072114" y="972043"/>
+              <a:ext cx="190142" cy="218944"/>
+            </a:xfrm>
+            <a:prstGeom prst="triangle">
+              <a:avLst/>
+            </a:prstGeom>
+            <a:solidFill>
+              <a:schemeClr val="bg1"/>
+            </a:solidFill>
+            <a:ln w="120650" cap="rnd">
+              <a:solidFill>
+                <a:schemeClr val="bg1"/>
+              </a:solidFill>
+              <a:round/>
+            </a:ln>
+          </p:spPr>
+          <p:style>
+            <a:lnRef idx="2">
+              <a:schemeClr val="accent1">
+                <a:shade val="50000"/>
+              </a:schemeClr>
+            </a:lnRef>
+            <a:fillRef idx="1">
+              <a:schemeClr val="accent1"/>
+            </a:fillRef>
+            <a:effectRef idx="0">
+              <a:schemeClr val="accent1"/>
+            </a:effectRef>
+            <a:fontRef idx="minor">
+              <a:schemeClr val="lt1"/>
+            </a:fontRef>
+          </p:style>
+          <p:txBody>
+            <a:bodyPr rtlCol="0" anchor="ctr"/>
+            <a:lstStyle/>
+            <a:p>
+              <a:pPr algn="ctr"/>
+              <a:endParaRPr lang="ko-KR" altLang="en-US"/>
+            </a:p>
+          </p:txBody>
+        </p:sp>
+      </p:grpSp>
+      <p:sp>
+        <p:nvSpPr>
+          <p:cNvPr id="43" name="모서리가 둥근 직사각형 42"/>
+          <p:cNvSpPr/>
+          <p:nvPr/>
+        </p:nvSpPr>
+        <p:spPr>
+          <a:xfrm>
+            <a:off x="284484" y="213306"/>
+            <a:ext cx="2747474" cy="705412"/>
+          </a:xfrm>
+          <a:prstGeom prst="roundRect">
+            <a:avLst/>
+          </a:prstGeom>
+          <a:solidFill>
+            <a:srgbClr val="1ECEBC"/>
+          </a:solidFill>
+          <a:ln>
+            <a:noFill/>
+          </a:ln>
+        </p:spPr>
+        <p:style>
+          <a:lnRef idx="2">
+            <a:schemeClr val="accent1">
+              <a:shade val="50000"/>
+            </a:schemeClr>
+          </a:lnRef>
+          <a:fillRef idx="1">
+            <a:schemeClr val="accent1"/>
+          </a:fillRef>
+          <a:effectRef idx="0">
+            <a:schemeClr val="accent1"/>
+          </a:effectRef>
+          <a:fontRef idx="minor">
+            <a:schemeClr val="lt1"/>
+          </a:fontRef>
+        </p:style>
+        <p:txBody>
+          <a:bodyPr rtlCol="0" anchor="ctr"/>
+          <a:lstStyle/>
+          <a:p>
+            <a:pPr algn="ctr"/>
+            <a:r>
+              <a:rPr lang="ko-KR" altLang="en-US" sz="3600" dirty="0" err="1">
+                <a:latin typeface="+mj-lt"/>
+                <a:ea typeface="문체부 바탕체" panose="02030609000101010101" pitchFamily="17" charset="-127"/>
+              </a:rPr>
+              <a:t>인게임</a:t>
+            </a:r>
+            <a:r>
+              <a:rPr lang="ko-KR" altLang="en-US" sz="3600" dirty="0">
+                <a:latin typeface="+mj-lt"/>
+                <a:ea typeface="문체부 바탕체" panose="02030609000101010101" pitchFamily="17" charset="-127"/>
+              </a:rPr>
+              <a:t> 설명</a:t>
+            </a:r>
+          </a:p>
+        </p:txBody>
+      </p:sp>
+      <p:pic>
+        <p:nvPicPr>
+          <p:cNvPr id="4" name="그림 3">
+            <a:extLst>
+              <a:ext uri="{FF2B5EF4-FFF2-40B4-BE49-F238E27FC236}">
+                <a16:creationId xmlns:a16="http://schemas.microsoft.com/office/drawing/2014/main" id="{BDC1707D-4C23-96BE-41AE-9CC7AAAB9B7F}"/>
+              </a:ext>
+            </a:extLst>
+          </p:cNvPr>
+          <p:cNvPicPr>
+            <a:picLocks noChangeAspect="1"/>
+          </p:cNvPicPr>
+          <p:nvPr/>
+        </p:nvPicPr>
+        <p:blipFill>
+          <a:blip r:embed="rId2"/>
+          <a:stretch>
+            <a:fillRect/>
+          </a:stretch>
+        </p:blipFill>
+        <p:spPr>
+          <a:xfrm>
+            <a:off x="457772" y="1687821"/>
+            <a:ext cx="5864650" cy="4186877"/>
+          </a:xfrm>
+          <a:prstGeom prst="rect">
+            <a:avLst/>
+          </a:prstGeom>
+        </p:spPr>
+      </p:pic>
+      <p:sp>
+        <p:nvSpPr>
+          <p:cNvPr id="5" name="TextBox 4">
+            <a:extLst>
+              <a:ext uri="{FF2B5EF4-FFF2-40B4-BE49-F238E27FC236}">
+                <a16:creationId xmlns:a16="http://schemas.microsoft.com/office/drawing/2014/main" id="{7A609F73-06D6-2505-54FF-ED96E475F950}"/>
+              </a:ext>
+            </a:extLst>
+          </p:cNvPr>
+          <p:cNvSpPr txBox="1"/>
+          <p:nvPr/>
+        </p:nvSpPr>
+        <p:spPr>
+          <a:xfrm>
+            <a:off x="6495710" y="1998915"/>
+            <a:ext cx="5238518" cy="3454792"/>
+          </a:xfrm>
+          <a:prstGeom prst="rect">
+            <a:avLst/>
+          </a:prstGeom>
+          <a:noFill/>
+        </p:spPr>
+        <p:txBody>
+          <a:bodyPr wrap="square" rtlCol="0">
+            <a:spAutoFit/>
+          </a:bodyPr>
+          <a:lstStyle/>
+          <a:p>
+            <a:pPr algn="ctr"/>
+            <a:r>
+              <a:rPr lang="en-US" altLang="ko-KR" sz="2000" dirty="0"/>
+              <a:t>&lt;</a:t>
+            </a:r>
+            <a:r>
+              <a:rPr lang="ko-KR" altLang="en-US" sz="2000" dirty="0" err="1"/>
+              <a:t>인게임</a:t>
+            </a:r>
+            <a:r>
+              <a:rPr lang="ko-KR" altLang="en-US" sz="2000" dirty="0"/>
+              <a:t> 맵 구조 예시</a:t>
+            </a:r>
+            <a:r>
+              <a:rPr lang="en-US" altLang="ko-KR" sz="2000" dirty="0"/>
+              <a:t>&gt;</a:t>
+            </a:r>
+          </a:p>
+          <a:p>
+            <a:pPr algn="ctr"/>
+            <a:endParaRPr lang="en-US" altLang="ko-KR" sz="2000" dirty="0"/>
+          </a:p>
+          <a:p>
+            <a:pPr marL="171450" indent="-171450">
+              <a:buFontTx/>
+              <a:buChar char="-"/>
+            </a:pPr>
+            <a:r>
+              <a:rPr lang="ko-KR" altLang="en-US" sz="1050" dirty="0"/>
+              <a:t>총 </a:t>
+            </a:r>
+            <a:r>
+              <a:rPr lang="en-US" altLang="ko-KR" sz="1050" dirty="0"/>
+              <a:t>6~7</a:t>
+            </a:r>
+            <a:r>
+              <a:rPr lang="ko-KR" altLang="en-US" sz="1050" dirty="0"/>
+              <a:t>개의 방으로 구성된 </a:t>
+            </a:r>
+            <a:r>
+              <a:rPr lang="ko-KR" altLang="en-US" sz="1050" dirty="0" err="1"/>
+              <a:t>맵을</a:t>
+            </a:r>
+            <a:r>
+              <a:rPr lang="ko-KR" altLang="en-US" sz="1050" dirty="0"/>
+              <a:t> 가지고 있다</a:t>
+            </a:r>
+            <a:r>
+              <a:rPr lang="en-US" altLang="ko-KR" sz="1050" dirty="0"/>
+              <a:t>.</a:t>
+            </a:r>
+          </a:p>
+          <a:p>
+            <a:pPr marL="171450" indent="-171450">
+              <a:buFontTx/>
+              <a:buChar char="-"/>
+            </a:pPr>
+            <a:r>
+              <a:rPr lang="ko-KR" altLang="en-US" sz="1050" dirty="0"/>
+              <a:t>방들은 전부 상당히 어두운 상태이다</a:t>
+            </a:r>
+            <a:r>
+              <a:rPr lang="en-US" altLang="ko-KR" sz="1050" dirty="0"/>
+              <a:t>. (</a:t>
+            </a:r>
+            <a:r>
+              <a:rPr lang="ko-KR" altLang="en-US" sz="1050" dirty="0"/>
+              <a:t>시간대 기준 약 새벽</a:t>
+            </a:r>
+            <a:r>
+              <a:rPr lang="en-US" altLang="ko-KR" sz="1050" dirty="0"/>
+              <a:t>2</a:t>
+            </a:r>
+            <a:r>
+              <a:rPr lang="ko-KR" altLang="en-US" sz="1050" dirty="0"/>
+              <a:t>시 느낌</a:t>
+            </a:r>
+            <a:r>
+              <a:rPr lang="en-US" altLang="ko-KR" sz="1050" dirty="0"/>
+              <a:t>)</a:t>
+            </a:r>
+          </a:p>
+          <a:p>
+            <a:endParaRPr lang="en-US" altLang="ko-KR" sz="1050" dirty="0"/>
+          </a:p>
+          <a:p>
+            <a:pPr marL="171450" indent="-171450">
+              <a:buFontTx/>
+              <a:buChar char="-"/>
+            </a:pPr>
+            <a:endParaRPr lang="en-US" altLang="ko-KR" sz="1050" dirty="0"/>
+          </a:p>
+          <a:p>
+            <a:pPr marL="228600" indent="-228600">
+              <a:buAutoNum type="arabicPeriod"/>
+            </a:pPr>
+            <a:r>
+              <a:rPr lang="ko-KR" altLang="en-US" sz="1050" dirty="0"/>
+              <a:t>피아노방 </a:t>
+            </a:r>
+            <a:endParaRPr lang="en-US" altLang="ko-KR" sz="1050" dirty="0"/>
+          </a:p>
+          <a:p>
+            <a:r>
+              <a:rPr lang="en-US" altLang="ko-KR" sz="1050" dirty="0"/>
+              <a:t>	</a:t>
+            </a:r>
+            <a:r>
+              <a:rPr lang="ko-KR" altLang="en-US" sz="1050" dirty="0"/>
+              <a:t>특징 </a:t>
+            </a:r>
+            <a:r>
+              <a:rPr lang="en-US" altLang="ko-KR" sz="1050" dirty="0"/>
+              <a:t>: </a:t>
+            </a:r>
+            <a:r>
+              <a:rPr lang="ko-KR" altLang="en-US" sz="1050" dirty="0"/>
+              <a:t>방 가운데 피아노를 기점으로 음악실 느낌을 하고 있다</a:t>
+            </a:r>
+            <a:r>
+              <a:rPr lang="en-US" altLang="ko-KR" sz="1050" dirty="0"/>
+              <a:t>.</a:t>
+            </a:r>
+          </a:p>
+          <a:p>
+            <a:pPr marL="228600" indent="-228600">
+              <a:buAutoNum type="arabicPeriod" startAt="2"/>
+            </a:pPr>
+            <a:r>
+              <a:rPr lang="ko-KR" altLang="en-US" sz="1050" dirty="0"/>
+              <a:t>숲</a:t>
+            </a:r>
+            <a:endParaRPr lang="en-US" altLang="ko-KR" sz="1050" dirty="0"/>
+          </a:p>
+          <a:p>
+            <a:r>
+              <a:rPr lang="en-US" altLang="ko-KR" sz="1050" dirty="0"/>
+              <a:t>	</a:t>
+            </a:r>
+            <a:r>
+              <a:rPr lang="ko-KR" altLang="en-US" sz="1050" dirty="0"/>
+              <a:t>특징 </a:t>
+            </a:r>
+            <a:r>
+              <a:rPr lang="en-US" altLang="ko-KR" sz="1050" dirty="0"/>
+              <a:t>: </a:t>
+            </a:r>
+            <a:r>
+              <a:rPr lang="ko-KR" altLang="en-US" sz="1050" dirty="0" err="1"/>
+              <a:t>숲속에</a:t>
+            </a:r>
+            <a:r>
+              <a:rPr lang="ko-KR" altLang="en-US" sz="1050" dirty="0"/>
+              <a:t> 오두막집이 여러 개 있으며 어두운 밤을 배경으로 한다</a:t>
+            </a:r>
+            <a:r>
+              <a:rPr lang="en-US" altLang="ko-KR" sz="1050" dirty="0"/>
+              <a:t>.</a:t>
+            </a:r>
+          </a:p>
+          <a:p>
+            <a:pPr marL="228600" indent="-228600">
+              <a:buAutoNum type="arabicPeriod" startAt="3"/>
+            </a:pPr>
+            <a:r>
+              <a:rPr lang="ko-KR" altLang="en-US" sz="1050" dirty="0" err="1"/>
+              <a:t>복도방</a:t>
+            </a:r>
+            <a:endParaRPr lang="en-US" altLang="ko-KR" sz="1050" dirty="0"/>
+          </a:p>
+          <a:p>
+            <a:r>
+              <a:rPr lang="en-US" altLang="ko-KR" sz="1050" dirty="0"/>
+              <a:t>	</a:t>
+            </a:r>
+            <a:r>
+              <a:rPr lang="ko-KR" altLang="en-US" sz="1050" dirty="0"/>
+              <a:t>특징 </a:t>
+            </a:r>
+            <a:r>
+              <a:rPr lang="en-US" altLang="ko-KR" sz="1050" dirty="0"/>
+              <a:t>: </a:t>
+            </a:r>
+            <a:r>
+              <a:rPr lang="ko-KR" altLang="en-US" sz="1050" dirty="0"/>
+              <a:t>맵 중앙에 위치하며 각방을 연결하는 역할을 한다</a:t>
+            </a:r>
+            <a:r>
+              <a:rPr lang="en-US" altLang="ko-KR" sz="1050" dirty="0"/>
+              <a:t>.</a:t>
+            </a:r>
+          </a:p>
+          <a:p>
+            <a:pPr marL="228600" indent="-228600">
+              <a:buAutoNum type="arabicPeriod" startAt="4"/>
+            </a:pPr>
+            <a:r>
+              <a:rPr lang="ko-KR" altLang="en-US" sz="1050" dirty="0"/>
+              <a:t>큐브</a:t>
+            </a:r>
+            <a:endParaRPr lang="en-US" altLang="ko-KR" sz="1050" dirty="0"/>
+          </a:p>
+          <a:p>
+            <a:r>
+              <a:rPr lang="en-US" altLang="ko-KR" sz="1050" dirty="0"/>
+              <a:t>	</a:t>
+            </a:r>
+            <a:r>
+              <a:rPr lang="ko-KR" altLang="en-US" sz="1050" dirty="0"/>
+              <a:t>특징 </a:t>
+            </a:r>
+            <a:r>
+              <a:rPr lang="en-US" altLang="ko-KR" sz="1050" dirty="0"/>
+              <a:t>: </a:t>
+            </a:r>
+            <a:r>
+              <a:rPr lang="ko-KR" altLang="en-US" sz="1050" dirty="0" err="1"/>
+              <a:t>큐브형식으로</a:t>
+            </a:r>
+            <a:r>
+              <a:rPr lang="ko-KR" altLang="en-US" sz="1050" dirty="0"/>
+              <a:t> 된 방들이 </a:t>
+            </a:r>
+            <a:r>
+              <a:rPr lang="ko-KR" altLang="en-US" sz="1050" dirty="0" err="1"/>
+              <a:t>모여있는</a:t>
+            </a:r>
+            <a:r>
+              <a:rPr lang="ko-KR" altLang="en-US" sz="1050" dirty="0"/>
+              <a:t> 구조이다</a:t>
+            </a:r>
+            <a:r>
+              <a:rPr lang="en-US" altLang="ko-KR" sz="1050" dirty="0"/>
+              <a:t>.</a:t>
+            </a:r>
+          </a:p>
+          <a:p>
+            <a:r>
+              <a:rPr lang="en-US" altLang="ko-KR" sz="1050" dirty="0"/>
+              <a:t>5.   </a:t>
+            </a:r>
+            <a:r>
+              <a:rPr lang="ko-KR" altLang="en-US" sz="1050" dirty="0"/>
+              <a:t>교실</a:t>
+            </a:r>
+            <a:endParaRPr lang="en-US" altLang="ko-KR" sz="1050" dirty="0"/>
+          </a:p>
+          <a:p>
+            <a:r>
+              <a:rPr lang="en-US" altLang="ko-KR" sz="1050" dirty="0"/>
+              <a:t>	</a:t>
+            </a:r>
+            <a:r>
+              <a:rPr lang="ko-KR" altLang="en-US" sz="1050" dirty="0"/>
+              <a:t>특징 </a:t>
+            </a:r>
+            <a:r>
+              <a:rPr lang="en-US" altLang="ko-KR" sz="1050" dirty="0"/>
+              <a:t>: </a:t>
+            </a:r>
+            <a:r>
+              <a:rPr lang="ko-KR" altLang="en-US" sz="1050" dirty="0"/>
+              <a:t>학교 내 교실 거의 과학실과 유사한 구조를 가지고 있다</a:t>
+            </a:r>
+            <a:r>
+              <a:rPr lang="en-US" altLang="ko-KR" sz="1050" dirty="0"/>
+              <a:t>.</a:t>
+            </a:r>
+          </a:p>
+          <a:p>
+            <a:pPr marL="228600" indent="-228600">
+              <a:buAutoNum type="arabicPeriod" startAt="6"/>
+            </a:pPr>
+            <a:r>
+              <a:rPr lang="ko-KR" altLang="en-US" sz="1050" dirty="0"/>
+              <a:t>방송실</a:t>
+            </a:r>
+            <a:endParaRPr lang="en-US" altLang="ko-KR" sz="1050" dirty="0"/>
+          </a:p>
+          <a:p>
+            <a:r>
+              <a:rPr lang="en-US" altLang="ko-KR" sz="1050" dirty="0"/>
+              <a:t>	</a:t>
+            </a:r>
+            <a:r>
+              <a:rPr lang="ko-KR" altLang="en-US" sz="1050" dirty="0"/>
+              <a:t>특징 </a:t>
+            </a:r>
+            <a:r>
+              <a:rPr lang="en-US" altLang="ko-KR" sz="1050" dirty="0"/>
+              <a:t>: </a:t>
+            </a:r>
+            <a:r>
+              <a:rPr lang="ko-KR" altLang="en-US" sz="1050" dirty="0"/>
+              <a:t>방송국의 </a:t>
+            </a:r>
+            <a:r>
+              <a:rPr lang="ko-KR" altLang="en-US" sz="1050" dirty="0" err="1"/>
+              <a:t>방송실같은</a:t>
+            </a:r>
+            <a:r>
+              <a:rPr lang="ko-KR" altLang="en-US" sz="1050" dirty="0"/>
+              <a:t> 느낌을 가지고 있으며 많은 숨을 공간을 </a:t>
+            </a:r>
+            <a:r>
+              <a:rPr lang="en-US" altLang="ko-KR" sz="1050" dirty="0"/>
+              <a:t>	         </a:t>
+            </a:r>
+            <a:r>
+              <a:rPr lang="ko-KR" altLang="en-US" sz="1050" dirty="0"/>
+              <a:t>제공하고 있다</a:t>
+            </a:r>
+            <a:r>
+              <a:rPr lang="en-US" altLang="ko-KR" sz="1050" dirty="0"/>
+              <a:t>.</a:t>
+            </a:r>
+          </a:p>
+        </p:txBody>
+      </p:sp>
+    </p:spTree>
+    <p:extLst>
+      <p:ext uri="{BB962C8B-B14F-4D97-AF65-F5344CB8AC3E}">
+        <p14:creationId xmlns:p14="http://schemas.microsoft.com/office/powerpoint/2010/main" val="1215771953"/>
+      </p:ext>
+    </p:extLst>
+  </p:cSld>
+  <p:clrMapOvr>
+    <a:masterClrMapping/>
+  </p:clrMapOvr>
+  <mc:AlternateContent xmlns:mc="http://schemas.openxmlformats.org/markup-compatibility/2006" xmlns:p14="http://schemas.microsoft.com/office/powerpoint/2010/main">
+    <mc:Choice Requires="p14">
+      <p:transition spd="med" p14:dur="700">
+        <p:fade/>
+      </p:transition>
+    </mc:Choice>
+    <mc:Fallback xmlns="">
+      <p:transition spd="med">
+        <p:fade/>
+      </p:transition>
+    </mc:Fallback>
+  </mc:AlternateContent>
+</p:sld>
+</file>
+
 <file path=ppt/theme/theme1.xml><?xml version="1.0" encoding="utf-8"?>
 <a:theme xmlns:a="http://schemas.openxmlformats.org/drawingml/2006/main" name="Office 테마">
   <a:themeElements>
